--- a/Apresentação.pptx
+++ b/Apresentação.pptx
@@ -7131,8 +7131,8 @@
         </p:nvSpPr>
         <p:spPr>
           <a:xfrm>
-            <a:off x="8916174" y="360024"/>
-            <a:ext cx="3261643" cy="3416320"/>
+            <a:off x="9002045" y="360024"/>
+            <a:ext cx="3175772" cy="3416320"/>
           </a:xfrm>
           <a:prstGeom prst="rect">
             <a:avLst/>
@@ -7300,7 +7300,7 @@
           <a:p>
             <a:r>
               <a:rPr lang="pt-BR" dirty="0"/>
-              <a:t>}</a:t>
+              <a:t>	}</a:t>
             </a:r>
           </a:p>
         </p:txBody>
